--- a/ppt/生成对抗网络.pptx
+++ b/ppt/生成对抗网络.pptx
@@ -17,6 +17,8 @@
     <p:sldId id="262" r:id="rId10"/>
     <p:sldId id="264" r:id="rId11"/>
     <p:sldId id="266" r:id="rId12"/>
+    <p:sldId id="269" r:id="rId13"/>
+    <p:sldId id="270" r:id="rId14"/>
   </p:sldIdLst>
   <p:sldSz cx="12192000" cy="6858000"/>
   <p:notesSz cx="6858000" cy="9144000"/>
@@ -1030,6 +1032,194 @@
 </file>
 
 <file path=ppt/notesSlides/notesSlide7.xml><?xml version="1.0" encoding="utf-8"?>
+<p:notes xmlns:a="http://schemas.openxmlformats.org/drawingml/2006/main" xmlns:r="http://schemas.openxmlformats.org/officeDocument/2006/relationships" xmlns:p="http://schemas.openxmlformats.org/presentationml/2006/main">
+  <p:cSld>
+    <p:spTree>
+      <p:nvGrpSpPr>
+        <p:cNvPr id="1" name=""/>
+        <p:cNvGrpSpPr/>
+        <p:nvPr/>
+      </p:nvGrpSpPr>
+      <p:grpSpPr>
+        <a:xfrm>
+          <a:off x="0" y="0"/>
+          <a:ext cx="0" cy="0"/>
+          <a:chOff x="0" y="0"/>
+          <a:chExt cx="0" cy="0"/>
+        </a:xfrm>
+      </p:grpSpPr>
+      <p:sp>
+        <p:nvSpPr>
+          <p:cNvPr id="23554" name="幻灯片图像占位符 1"/>
+          <p:cNvSpPr>
+            <a:spLocks noGrp="1" noRot="1" noChangeAspect="1" noTextEdit="1"/>
+          </p:cNvSpPr>
+          <p:nvPr>
+            <p:ph type="sldImg"/>
+          </p:nvPr>
+        </p:nvSpPr>
+        <p:spPr>
+          <a:xfrm>
+            <a:off x="1141413" y="754063"/>
+            <a:ext cx="4391025" cy="3294062"/>
+          </a:xfrm>
+        </p:spPr>
+      </p:sp>
+      <p:sp>
+        <p:nvSpPr>
+          <p:cNvPr id="23555" name="备注占位符 2"/>
+          <p:cNvSpPr>
+            <a:spLocks noGrp="1"/>
+          </p:cNvSpPr>
+          <p:nvPr>
+            <p:ph type="body" idx="1"/>
+          </p:nvPr>
+        </p:nvSpPr>
+        <p:spPr>
+          <a:noFill/>
+        </p:spPr>
+        <p:txBody>
+          <a:bodyPr/>
+          <a:lstStyle/>
+          <a:p>
+            <a:r>
+              <a:rPr lang="en-US" altLang="zh-CN" smtClean="0"/>
+              <a:t>Optmization of overall framework</a:t>
+            </a:r>
+            <a:endParaRPr lang="zh-CN" altLang="en-US" smtClean="0"/>
+          </a:p>
+        </p:txBody>
+      </p:sp>
+      <p:sp>
+        <p:nvSpPr>
+          <p:cNvPr id="23556" name="灯片编号占位符 3"/>
+          <p:cNvSpPr>
+            <a:spLocks noGrp="1"/>
+          </p:cNvSpPr>
+          <p:nvPr>
+            <p:ph type="sldNum" sz="quarter" idx="5"/>
+          </p:nvPr>
+        </p:nvSpPr>
+        <p:spPr bwMode="auto">
+          <a:noFill/>
+          <a:ln>
+            <a:miter lim="800000"/>
+          </a:ln>
+        </p:spPr>
+        <p:txBody>
+          <a:bodyPr/>
+          <a:lstStyle/>
+          <a:p>
+            <a:fld id="{D6921991-008B-43F0-9720-0AEB9005521A}" type="slidenum">
+              <a:rPr altLang="zh-CN" smtClean="0"/>
+            </a:fld>
+            <a:endParaRPr lang="zh-CN" altLang="en-US" smtClean="0"/>
+          </a:p>
+        </p:txBody>
+      </p:sp>
+    </p:spTree>
+  </p:cSld>
+  <p:clrMapOvr>
+    <a:masterClrMapping/>
+  </p:clrMapOvr>
+</p:notes>
+</file>
+
+<file path=ppt/notesSlides/notesSlide8.xml><?xml version="1.0" encoding="utf-8"?>
+<p:notes xmlns:a="http://schemas.openxmlformats.org/drawingml/2006/main" xmlns:r="http://schemas.openxmlformats.org/officeDocument/2006/relationships" xmlns:p="http://schemas.openxmlformats.org/presentationml/2006/main">
+  <p:cSld>
+    <p:spTree>
+      <p:nvGrpSpPr>
+        <p:cNvPr id="1" name=""/>
+        <p:cNvGrpSpPr/>
+        <p:nvPr/>
+      </p:nvGrpSpPr>
+      <p:grpSpPr>
+        <a:xfrm>
+          <a:off x="0" y="0"/>
+          <a:ext cx="0" cy="0"/>
+          <a:chOff x="0" y="0"/>
+          <a:chExt cx="0" cy="0"/>
+        </a:xfrm>
+      </p:grpSpPr>
+      <p:sp>
+        <p:nvSpPr>
+          <p:cNvPr id="23554" name="幻灯片图像占位符 1"/>
+          <p:cNvSpPr>
+            <a:spLocks noGrp="1" noRot="1" noChangeAspect="1" noTextEdit="1"/>
+          </p:cNvSpPr>
+          <p:nvPr>
+            <p:ph type="sldImg"/>
+          </p:nvPr>
+        </p:nvSpPr>
+        <p:spPr>
+          <a:xfrm>
+            <a:off x="1141413" y="754063"/>
+            <a:ext cx="4391025" cy="3294062"/>
+          </a:xfrm>
+        </p:spPr>
+      </p:sp>
+      <p:sp>
+        <p:nvSpPr>
+          <p:cNvPr id="23555" name="备注占位符 2"/>
+          <p:cNvSpPr>
+            <a:spLocks noGrp="1"/>
+          </p:cNvSpPr>
+          <p:nvPr>
+            <p:ph type="body" idx="1"/>
+          </p:nvPr>
+        </p:nvSpPr>
+        <p:spPr>
+          <a:noFill/>
+        </p:spPr>
+        <p:txBody>
+          <a:bodyPr/>
+          <a:lstStyle/>
+          <a:p>
+            <a:r>
+              <a:rPr lang="en-US" altLang="zh-CN" smtClean="0"/>
+              <a:t>Optmization of overall framework</a:t>
+            </a:r>
+            <a:endParaRPr lang="zh-CN" altLang="en-US" smtClean="0"/>
+          </a:p>
+        </p:txBody>
+      </p:sp>
+      <p:sp>
+        <p:nvSpPr>
+          <p:cNvPr id="23556" name="灯片编号占位符 3"/>
+          <p:cNvSpPr>
+            <a:spLocks noGrp="1"/>
+          </p:cNvSpPr>
+          <p:nvPr>
+            <p:ph type="sldNum" sz="quarter" idx="5"/>
+          </p:nvPr>
+        </p:nvSpPr>
+        <p:spPr bwMode="auto">
+          <a:noFill/>
+          <a:ln>
+            <a:miter lim="800000"/>
+          </a:ln>
+        </p:spPr>
+        <p:txBody>
+          <a:bodyPr/>
+          <a:lstStyle/>
+          <a:p>
+            <a:fld id="{D6921991-008B-43F0-9720-0AEB9005521A}" type="slidenum">
+              <a:rPr altLang="zh-CN" smtClean="0"/>
+            </a:fld>
+            <a:endParaRPr lang="zh-CN" altLang="en-US" smtClean="0"/>
+          </a:p>
+        </p:txBody>
+      </p:sp>
+    </p:spTree>
+  </p:cSld>
+  <p:clrMapOvr>
+    <a:masterClrMapping/>
+  </p:clrMapOvr>
+</p:notes>
+</file>
+
+<file path=ppt/notesSlides/notesSlide9.xml><?xml version="1.0" encoding="utf-8"?>
 <p:notes xmlns:a="http://schemas.openxmlformats.org/drawingml/2006/main" xmlns:r="http://schemas.openxmlformats.org/officeDocument/2006/relationships" xmlns:p="http://schemas.openxmlformats.org/presentationml/2006/main">
   <p:cSld>
     <p:spTree>
@@ -41174,6 +41364,550 @@
 </p:sld>
 </file>
 
+<file path=ppt/slides/slide10.xml><?xml version="1.0" encoding="utf-8"?>
+<p:sld xmlns:a="http://schemas.openxmlformats.org/drawingml/2006/main" xmlns:r="http://schemas.openxmlformats.org/officeDocument/2006/relationships" xmlns:p="http://schemas.openxmlformats.org/presentationml/2006/main">
+  <p:cSld>
+    <p:spTree>
+      <p:nvGrpSpPr>
+        <p:cNvPr id="1" name=""/>
+        <p:cNvGrpSpPr/>
+        <p:nvPr/>
+      </p:nvGrpSpPr>
+      <p:grpSpPr>
+        <a:xfrm>
+          <a:off x="0" y="0"/>
+          <a:ext cx="0" cy="0"/>
+          <a:chOff x="0" y="0"/>
+          <a:chExt cx="0" cy="0"/>
+        </a:xfrm>
+      </p:grpSpPr>
+      <p:sp>
+        <p:nvSpPr>
+          <p:cNvPr id="6146" name="标题 1"/>
+          <p:cNvSpPr>
+            <a:spLocks noGrp="1"/>
+          </p:cNvSpPr>
+          <p:nvPr>
+            <p:ph type="title"/>
+          </p:nvPr>
+        </p:nvSpPr>
+        <p:spPr>
+          <a:xfrm>
+            <a:off x="451485" y="1011555"/>
+            <a:ext cx="11001375" cy="718820"/>
+          </a:xfrm>
+        </p:spPr>
+        <p:txBody>
+          <a:bodyPr/>
+          <a:lstStyle/>
+          <a:p>
+            <a:pPr eaLnBrk="1" hangingPunct="1"/>
+            <a:r>
+              <a:rPr lang="x-none" sz="3200" smtClean="0">
+                <a:ea typeface="楷体_GB2312" pitchFamily="1" charset="-122"/>
+              </a:rPr>
+              <a:t>应用领域：图像压缩编解码器</a:t>
+            </a:r>
+            <a:endParaRPr lang="x-none" sz="3200" smtClean="0">
+              <a:ea typeface="楷体_GB2312" pitchFamily="1" charset="-122"/>
+            </a:endParaRPr>
+          </a:p>
+        </p:txBody>
+      </p:sp>
+      <p:sp>
+        <p:nvSpPr>
+          <p:cNvPr id="6148" name="灯片编号占位符 3"/>
+          <p:cNvSpPr>
+            <a:spLocks noGrp="1"/>
+          </p:cNvSpPr>
+          <p:nvPr>
+            <p:ph type="sldNum" sz="quarter" idx="12"/>
+          </p:nvPr>
+        </p:nvSpPr>
+        <p:spPr bwMode="auto">
+          <a:noFill/>
+          <a:ln>
+            <a:miter lim="800000"/>
+          </a:ln>
+        </p:spPr>
+        <p:txBody>
+          <a:bodyPr/>
+          <a:lstStyle/>
+          <a:p>
+            <a:fld id="{8F501744-9484-4D42-8D4D-DA0C6E3B3966}" type="slidenum">
+              <a:rPr altLang="zh-CN" smtClean="0"/>
+            </a:fld>
+            <a:endParaRPr lang="zh-CN" altLang="zh-CN" smtClean="0"/>
+          </a:p>
+        </p:txBody>
+      </p:sp>
+      <p:pic>
+        <p:nvPicPr>
+          <p:cNvPr id="3" name="图片 2"/>
+          <p:cNvPicPr>
+            <a:picLocks noChangeAspect="1"/>
+          </p:cNvPicPr>
+          <p:nvPr/>
+        </p:nvPicPr>
+        <p:blipFill>
+          <a:blip r:embed="rId1"/>
+          <a:stretch>
+            <a:fillRect/>
+          </a:stretch>
+        </p:blipFill>
+        <p:spPr>
+          <a:xfrm>
+            <a:off x="4145915" y="1723390"/>
+            <a:ext cx="7237095" cy="3992245"/>
+          </a:xfrm>
+          <a:prstGeom prst="rect">
+            <a:avLst/>
+          </a:prstGeom>
+        </p:spPr>
+      </p:pic>
+      <p:sp>
+        <p:nvSpPr>
+          <p:cNvPr id="4" name="文本框 3"/>
+          <p:cNvSpPr txBox="1"/>
+          <p:nvPr/>
+        </p:nvSpPr>
+        <p:spPr>
+          <a:xfrm>
+            <a:off x="768350" y="1877060"/>
+            <a:ext cx="3102610" cy="2286000"/>
+          </a:xfrm>
+          <a:prstGeom prst="rect">
+            <a:avLst/>
+          </a:prstGeom>
+          <a:noFill/>
+        </p:spPr>
+        <p:txBody>
+          <a:bodyPr wrap="square" rtlCol="0">
+            <a:spAutoFit/>
+          </a:bodyPr>
+          <a:p>
+            <a:r>
+              <a:rPr lang="x-none" altLang="zh-CN" b="1"/>
+              <a:t>判别网络</a:t>
+            </a:r>
+            <a:r>
+              <a:rPr lang="x-none" altLang="zh-CN"/>
+              <a:t>：</a:t>
+            </a:r>
+            <a:endParaRPr lang="x-none" altLang="zh-CN"/>
+          </a:p>
+          <a:p>
+            <a:endParaRPr lang="x-none" altLang="zh-CN"/>
+          </a:p>
+          <a:p>
+            <a:r>
+              <a:rPr lang="x-none" altLang="zh-CN"/>
+              <a:t>在不同的分支集成输出，以学习到不同层次的信息，如</a:t>
+            </a:r>
+            <a:endParaRPr lang="x-none" altLang="zh-CN"/>
+          </a:p>
+          <a:p>
+            <a:pPr marL="285750" indent="-285750">
+              <a:buFont typeface="Arial" charset="0"/>
+              <a:buChar char="•"/>
+            </a:pPr>
+            <a:r>
+              <a:rPr lang="x-none" altLang="zh-CN"/>
+              <a:t>噪声和模糊度可能在浅层就被发现</a:t>
+            </a:r>
+            <a:endParaRPr lang="x-none" altLang="zh-CN"/>
+          </a:p>
+          <a:p>
+            <a:pPr marL="285750" indent="-285750">
+              <a:buFont typeface="Arial" charset="0"/>
+              <a:buChar char="•"/>
+            </a:pPr>
+            <a:r>
+              <a:rPr lang="x-none" altLang="zh-CN"/>
+              <a:t>更抽象的区别会在更深层被发现</a:t>
+            </a:r>
+            <a:endParaRPr lang="x-none" altLang="zh-CN"/>
+          </a:p>
+        </p:txBody>
+      </p:sp>
+      <p:sp>
+        <p:nvSpPr>
+          <p:cNvPr id="5" name="文本框 4"/>
+          <p:cNvSpPr txBox="1"/>
+          <p:nvPr/>
+        </p:nvSpPr>
+        <p:spPr>
+          <a:xfrm>
+            <a:off x="589280" y="4474210"/>
+            <a:ext cx="4213225" cy="335280"/>
+          </a:xfrm>
+          <a:prstGeom prst="rect">
+            <a:avLst/>
+          </a:prstGeom>
+          <a:noFill/>
+        </p:spPr>
+        <p:txBody>
+          <a:bodyPr wrap="square" rtlCol="0">
+            <a:spAutoFit/>
+          </a:bodyPr>
+          <a:p>
+            <a:r>
+              <a:rPr lang="x-none" altLang="zh-CN" sz="1600"/>
+              <a:t>GoogleInceptionNet中也有类似的思想</a:t>
+            </a:r>
+            <a:endParaRPr lang="x-none" altLang="zh-CN" sz="1600"/>
+          </a:p>
+        </p:txBody>
+      </p:sp>
+    </p:spTree>
+  </p:cSld>
+  <p:clrMapOvr>
+    <a:masterClrMapping/>
+  </p:clrMapOvr>
+</p:sld>
+</file>
+
+<file path=ppt/slides/slide11.xml><?xml version="1.0" encoding="utf-8"?>
+<p:sld xmlns:a="http://schemas.openxmlformats.org/drawingml/2006/main" xmlns:r="http://schemas.openxmlformats.org/officeDocument/2006/relationships" xmlns:p="http://schemas.openxmlformats.org/presentationml/2006/main">
+  <p:cSld>
+    <p:spTree>
+      <p:nvGrpSpPr>
+        <p:cNvPr id="1" name=""/>
+        <p:cNvGrpSpPr/>
+        <p:nvPr/>
+      </p:nvGrpSpPr>
+      <p:grpSpPr>
+        <a:xfrm>
+          <a:off x="0" y="0"/>
+          <a:ext cx="0" cy="0"/>
+          <a:chOff x="0" y="0"/>
+          <a:chExt cx="0" cy="0"/>
+        </a:xfrm>
+      </p:grpSpPr>
+      <p:sp>
+        <p:nvSpPr>
+          <p:cNvPr id="6146" name="标题 1"/>
+          <p:cNvSpPr>
+            <a:spLocks noGrp="1"/>
+          </p:cNvSpPr>
+          <p:nvPr>
+            <p:ph type="title"/>
+          </p:nvPr>
+        </p:nvSpPr>
+        <p:spPr>
+          <a:xfrm>
+            <a:off x="451485" y="1011555"/>
+            <a:ext cx="11001375" cy="718820"/>
+          </a:xfrm>
+        </p:spPr>
+        <p:txBody>
+          <a:bodyPr/>
+          <a:lstStyle/>
+          <a:p>
+            <a:pPr eaLnBrk="1" hangingPunct="1"/>
+            <a:r>
+              <a:rPr lang="x-none" sz="3200" smtClean="0">
+                <a:ea typeface="楷体_GB2312" pitchFamily="1" charset="-122"/>
+              </a:rPr>
+              <a:t>应用领域：图像压缩编解码器</a:t>
+            </a:r>
+            <a:endParaRPr lang="x-none" sz="3200" smtClean="0">
+              <a:ea typeface="楷体_GB2312" pitchFamily="1" charset="-122"/>
+            </a:endParaRPr>
+          </a:p>
+        </p:txBody>
+      </p:sp>
+      <p:sp>
+        <p:nvSpPr>
+          <p:cNvPr id="6148" name="灯片编号占位符 3"/>
+          <p:cNvSpPr>
+            <a:spLocks noGrp="1"/>
+          </p:cNvSpPr>
+          <p:nvPr>
+            <p:ph type="sldNum" sz="quarter" idx="12"/>
+          </p:nvPr>
+        </p:nvSpPr>
+        <p:spPr bwMode="auto">
+          <a:noFill/>
+          <a:ln>
+            <a:miter lim="800000"/>
+          </a:ln>
+        </p:spPr>
+        <p:txBody>
+          <a:bodyPr/>
+          <a:lstStyle/>
+          <a:p>
+            <a:fld id="{8F501744-9484-4D42-8D4D-DA0C6E3B3966}" type="slidenum">
+              <a:rPr altLang="zh-CN" smtClean="0"/>
+            </a:fld>
+            <a:endParaRPr lang="zh-CN" altLang="zh-CN" smtClean="0"/>
+          </a:p>
+        </p:txBody>
+      </p:sp>
+      <p:sp>
+        <p:nvSpPr>
+          <p:cNvPr id="4" name="文本框 3"/>
+          <p:cNvSpPr txBox="1"/>
+          <p:nvPr/>
+        </p:nvSpPr>
+        <p:spPr>
+          <a:xfrm>
+            <a:off x="768985" y="1877695"/>
+            <a:ext cx="8816975" cy="3709670"/>
+          </a:xfrm>
+          <a:prstGeom prst="rect">
+            <a:avLst/>
+          </a:prstGeom>
+          <a:noFill/>
+        </p:spPr>
+        <p:txBody>
+          <a:bodyPr wrap="square" rtlCol="0">
+            <a:spAutoFit/>
+          </a:bodyPr>
+          <a:p>
+            <a:r>
+              <a:rPr lang="x-none" altLang="zh-CN" b="1"/>
+              <a:t>对抗网络</a:t>
+            </a:r>
+            <a:r>
+              <a:rPr lang="x-none" altLang="zh-CN"/>
+              <a:t>：不稳定</a:t>
+            </a:r>
+            <a:endParaRPr lang="x-none" altLang="zh-CN"/>
+          </a:p>
+          <a:p>
+            <a:endParaRPr lang="x-none" altLang="zh-CN"/>
+          </a:p>
+          <a:p>
+            <a:r>
+              <a:rPr lang="x-none" altLang="zh-CN"/>
+              <a:t>解决办法：</a:t>
+            </a:r>
+            <a:endParaRPr lang="x-none" altLang="zh-CN" sz="1400">
+              <a:sym typeface="+mn-ea"/>
+            </a:endParaRPr>
+          </a:p>
+          <a:p>
+            <a:pPr marL="742950" lvl="1" indent="-285750" algn="l" eaLnBrk="0" fontAlgn="base" hangingPunct="0">
+              <a:spcBef>
+                <a:spcPct val="20000"/>
+              </a:spcBef>
+              <a:buSzPct val="75000"/>
+              <a:buBlip>
+                <a:blip r:embed="rId1"/>
+              </a:buBlip>
+            </a:pPr>
+            <a:r>
+              <a:rPr lang="x-none" altLang="zh-CN" sz="1600">
+                <a:sym typeface="+mn-ea"/>
+              </a:rPr>
+              <a:t>trained by both the </a:t>
+            </a:r>
+            <a:r>
+              <a:rPr lang="x-none" altLang="zh-CN" sz="1600" i="1">
+                <a:solidFill>
+                  <a:schemeClr val="tx2">
+                    <a:lumMod val="75000"/>
+                  </a:schemeClr>
+                </a:solidFill>
+                <a:sym typeface="+mn-ea"/>
+              </a:rPr>
+              <a:t>confusion signal gradient </a:t>
+            </a:r>
+            <a:r>
+              <a:rPr lang="x-none" altLang="zh-CN" sz="1600">
+                <a:sym typeface="+mn-ea"/>
+              </a:rPr>
+              <a:t>as well as the </a:t>
+            </a:r>
+            <a:r>
+              <a:rPr lang="x-none" altLang="zh-CN" sz="1600" i="1">
+                <a:solidFill>
+                  <a:schemeClr val="tx2">
+                    <a:lumMod val="75000"/>
+                  </a:schemeClr>
+                </a:solidFill>
+                <a:sym typeface="+mn-ea"/>
+              </a:rPr>
+              <a:t>reconstruction loss gradient</a:t>
+            </a:r>
+            <a:endParaRPr lang="x-none" altLang="zh-CN" sz="1600" i="1">
+              <a:solidFill>
+                <a:schemeClr val="tx2">
+                  <a:lumMod val="75000"/>
+                </a:schemeClr>
+              </a:solidFill>
+              <a:sym typeface="+mn-ea"/>
+            </a:endParaRPr>
+          </a:p>
+          <a:p>
+            <a:pPr lvl="1" indent="0" algn="l" eaLnBrk="0" fontAlgn="base" hangingPunct="0">
+              <a:spcBef>
+                <a:spcPct val="20000"/>
+              </a:spcBef>
+              <a:buSzPct val="75000"/>
+              <a:buNone/>
+            </a:pPr>
+            <a:r>
+              <a:rPr lang="x-none" altLang="zh-CN" sz="1600">
+                <a:sym typeface="+mn-ea"/>
+              </a:rPr>
+              <a:t>	--&gt; balance the two as function of their </a:t>
+            </a:r>
+            <a:r>
+              <a:rPr lang="x-none" altLang="zh-CN" sz="1600" i="1">
+                <a:solidFill>
+                  <a:schemeClr val="tx2">
+                    <a:lumMod val="75000"/>
+                  </a:schemeClr>
+                </a:solidFill>
+                <a:sym typeface="+mn-ea"/>
+              </a:rPr>
+              <a:t>gradient magnitudes</a:t>
+            </a:r>
+            <a:endParaRPr lang="x-none" altLang="zh-CN" sz="1600" i="1">
+              <a:solidFill>
+                <a:schemeClr val="tx2">
+                  <a:lumMod val="75000"/>
+                </a:schemeClr>
+              </a:solidFill>
+              <a:sym typeface="+mn-ea"/>
+            </a:endParaRPr>
+          </a:p>
+          <a:p>
+            <a:pPr marL="742950" lvl="1" indent="-285750" algn="l" eaLnBrk="0" fontAlgn="base" hangingPunct="0">
+              <a:spcBef>
+                <a:spcPct val="20000"/>
+              </a:spcBef>
+              <a:buSzPct val="75000"/>
+              <a:buBlip>
+                <a:blip r:embed="rId1"/>
+              </a:buBlip>
+            </a:pPr>
+            <a:r>
+              <a:rPr lang="x-none" altLang="zh-CN" sz="1600">
+                <a:sym typeface="+mn-ea"/>
+              </a:rPr>
+              <a:t>either train the </a:t>
+            </a:r>
+            <a:r>
+              <a:rPr lang="x-none" altLang="zh-CN" sz="1600" i="1">
+                <a:solidFill>
+                  <a:schemeClr val="tx2">
+                    <a:lumMod val="75000"/>
+                  </a:schemeClr>
+                </a:solidFill>
+                <a:sym typeface="+mn-ea"/>
+              </a:rPr>
+              <a:t>discriminator </a:t>
+            </a:r>
+            <a:r>
+              <a:rPr lang="x-none" altLang="zh-CN" sz="1600">
+                <a:sym typeface="+mn-ea"/>
+              </a:rPr>
+              <a:t>or </a:t>
+            </a:r>
+            <a:r>
+              <a:rPr lang="x-none" altLang="zh-CN" sz="1600" i="1">
+                <a:solidFill>
+                  <a:schemeClr val="tx2">
+                    <a:lumMod val="75000"/>
+                  </a:schemeClr>
+                </a:solidFill>
+                <a:sym typeface="+mn-ea"/>
+              </a:rPr>
+              <a:t>propagate confusion signal</a:t>
+            </a:r>
+            <a:r>
+              <a:rPr lang="x-none" altLang="zh-CN" sz="1600">
+                <a:sym typeface="+mn-ea"/>
+              </a:rPr>
+              <a:t> through the reconstructor</a:t>
+            </a:r>
+            <a:endParaRPr lang="x-none" altLang="zh-CN" sz="1600">
+              <a:sym typeface="+mn-ea"/>
+            </a:endParaRPr>
+          </a:p>
+          <a:p>
+            <a:pPr lvl="1" indent="0" algn="l" eaLnBrk="0" fontAlgn="base" hangingPunct="0">
+              <a:spcBef>
+                <a:spcPct val="20000"/>
+              </a:spcBef>
+              <a:buSzPct val="75000"/>
+              <a:buNone/>
+            </a:pPr>
+            <a:r>
+              <a:rPr lang="x-none" altLang="zh-CN" sz="1600">
+                <a:sym typeface="+mn-ea"/>
+              </a:rPr>
+              <a:t>	--&gt; function of the </a:t>
+            </a:r>
+            <a:r>
+              <a:rPr lang="x-none" altLang="zh-CN" sz="1600">
+                <a:solidFill>
+                  <a:schemeClr val="tx2">
+                    <a:lumMod val="75000"/>
+                  </a:schemeClr>
+                </a:solidFill>
+                <a:sym typeface="+mn-ea"/>
+              </a:rPr>
+              <a:t>prediction accuracy</a:t>
+            </a:r>
+            <a:r>
+              <a:rPr lang="x-none" altLang="zh-CN" sz="1600">
+                <a:sym typeface="+mn-ea"/>
+              </a:rPr>
+              <a:t> of the discriminator</a:t>
+            </a:r>
+            <a:endParaRPr lang="x-none" altLang="zh-CN" sz="1600">
+              <a:sym typeface="+mn-ea"/>
+            </a:endParaRPr>
+          </a:p>
+          <a:p>
+            <a:pPr marL="742950" lvl="1" indent="-285750" algn="l" eaLnBrk="0" fontAlgn="base" hangingPunct="0">
+              <a:spcBef>
+                <a:spcPct val="20000"/>
+              </a:spcBef>
+              <a:buSzPct val="75000"/>
+              <a:buBlip>
+                <a:blip r:embed="rId1"/>
+              </a:buBlip>
+            </a:pPr>
+            <a:endParaRPr lang="x-none" altLang="zh-CN" sz="1600">
+              <a:sym typeface="+mn-ea"/>
+            </a:endParaRPr>
+          </a:p>
+          <a:p>
+            <a:pPr marL="742950" lvl="1" indent="-285750" algn="l" eaLnBrk="0" fontAlgn="base" hangingPunct="0">
+              <a:spcBef>
+                <a:spcPct val="20000"/>
+              </a:spcBef>
+              <a:buSzPct val="75000"/>
+              <a:buBlip>
+                <a:blip r:embed="rId1"/>
+              </a:buBlip>
+            </a:pPr>
+            <a:endParaRPr lang="x-none" altLang="zh-CN" sz="2800"/>
+          </a:p>
+          <a:p>
+            <a:endParaRPr lang="x-none" altLang="zh-CN"/>
+          </a:p>
+          <a:p>
+            <a:endParaRPr lang="x-none" altLang="zh-CN"/>
+          </a:p>
+          <a:p>
+            <a:endParaRPr lang="x-none" altLang="zh-CN"/>
+          </a:p>
+        </p:txBody>
+      </p:sp>
+    </p:spTree>
+  </p:cSld>
+  <p:clrMapOvr>
+    <a:masterClrMapping/>
+  </p:clrMapOvr>
+</p:sld>
+</file>
+
 <file path=ppt/slides/slide2.xml><?xml version="1.0" encoding="utf-8"?>
 <p:sld xmlns:a="http://schemas.openxmlformats.org/drawingml/2006/main" xmlns:r="http://schemas.openxmlformats.org/officeDocument/2006/relationships" xmlns:p="http://schemas.openxmlformats.org/presentationml/2006/main">
   <p:cSld>
@@ -41854,30 +42588,6 @@
           </a:p>
         </p:txBody>
       </p:sp>
-      <p:pic>
-        <p:nvPicPr>
-          <p:cNvPr id="4" name="图片 3"/>
-          <p:cNvPicPr>
-            <a:picLocks noChangeAspect="1"/>
-          </p:cNvPicPr>
-          <p:nvPr/>
-        </p:nvPicPr>
-        <p:blipFill>
-          <a:blip r:embed="rId1"/>
-          <a:stretch>
-            <a:fillRect/>
-          </a:stretch>
-        </p:blipFill>
-        <p:spPr>
-          <a:xfrm>
-            <a:off x="2383155" y="1757680"/>
-            <a:ext cx="5104765" cy="647700"/>
-          </a:xfrm>
-          <a:prstGeom prst="rect">
-            <a:avLst/>
-          </a:prstGeom>
-        </p:spPr>
-      </p:pic>
       <p:sp>
         <p:nvSpPr>
           <p:cNvPr id="5" name="文本框 4"/>
@@ -42025,8 +42735,8 @@
         </p:nvCxnSpPr>
         <p:spPr>
           <a:xfrm flipH="1" flipV="1">
-            <a:off x="6275705" y="2306320"/>
-            <a:ext cx="795655" cy="1089660"/>
+            <a:off x="6899910" y="2301875"/>
+            <a:ext cx="171450" cy="1094105"/>
           </a:xfrm>
           <a:prstGeom prst="straightConnector1">
             <a:avLst/>
@@ -42055,6 +42765,30 @@
           </a:fontRef>
         </p:style>
       </p:cxnSp>
+      <p:pic>
+        <p:nvPicPr>
+          <p:cNvPr id="2" name="图片 1"/>
+          <p:cNvPicPr>
+            <a:picLocks noChangeAspect="1"/>
+          </p:cNvPicPr>
+          <p:nvPr/>
+        </p:nvPicPr>
+        <p:blipFill>
+          <a:blip r:embed="rId1"/>
+          <a:stretch>
+            <a:fillRect/>
+          </a:stretch>
+        </p:blipFill>
+        <p:spPr>
+          <a:xfrm>
+            <a:off x="1982470" y="1790700"/>
+            <a:ext cx="6593840" cy="482600"/>
+          </a:xfrm>
+          <a:prstGeom prst="rect">
+            <a:avLst/>
+          </a:prstGeom>
+        </p:spPr>
+      </p:pic>
     </p:spTree>
   </p:cSld>
   <p:clrMapOvr>
@@ -42575,6 +43309,30 @@
           </a:p>
         </p:txBody>
       </p:sp>
+      <p:pic>
+        <p:nvPicPr>
+          <p:cNvPr id="2" name="图片 1"/>
+          <p:cNvPicPr>
+            <a:picLocks noChangeAspect="1"/>
+          </p:cNvPicPr>
+          <p:nvPr/>
+        </p:nvPicPr>
+        <p:blipFill>
+          <a:blip r:embed="rId1"/>
+          <a:stretch>
+            <a:fillRect/>
+          </a:stretch>
+        </p:blipFill>
+        <p:spPr>
+          <a:xfrm>
+            <a:off x="1176655" y="1981200"/>
+            <a:ext cx="9838055" cy="2894965"/>
+          </a:xfrm>
+          <a:prstGeom prst="rect">
+            <a:avLst/>
+          </a:prstGeom>
+        </p:spPr>
+      </p:pic>
     </p:spTree>
   </p:cSld>
   <p:clrMapOvr>
